--- a/Labs/CS418-Lab3-2019.pptx
+++ b/Labs/CS418-Lab3-2019.pptx
@@ -219,7 +219,7 @@
           <a:p>
             <a:fld id="{564DAAA6-4117-4992-859F-BAA0EB4FC72C}" type="datetimeFigureOut">
               <a:rPr lang="en-US" smtClean="0"/>
-              <a:t>2/18/2019</a:t>
+              <a:t>2/21/2019</a:t>
             </a:fld>
             <a:endParaRPr lang="en-US"/>
           </a:p>
@@ -619,7 +619,7 @@
           <a:p>
             <a:fld id="{CF64A208-0694-964E-93B1-EAF2C4DF2BAD}" type="datetimeFigureOut">
               <a:rPr lang="en-US" smtClean="0"/>
-              <a:t>2/18/2019</a:t>
+              <a:t>2/21/2019</a:t>
             </a:fld>
             <a:endParaRPr lang="en-US"/>
           </a:p>
@@ -826,7 +826,7 @@
             <a:fld id="{CF64A208-0694-964E-93B1-EAF2C4DF2BAD}" type="datetimeFigureOut">
               <a:rPr lang="en-US" smtClean="0"/>
               <a:pPr/>
-              <a:t>2/18/2019</a:t>
+              <a:t>2/21/2019</a:t>
             </a:fld>
             <a:endParaRPr lang="en-US" dirty="0"/>
           </a:p>
@@ -1056,7 +1056,7 @@
             <a:fld id="{CF64A208-0694-964E-93B1-EAF2C4DF2BAD}" type="datetimeFigureOut">
               <a:rPr lang="en-US" smtClean="0"/>
               <a:pPr/>
-              <a:t>2/18/2019</a:t>
+              <a:t>2/21/2019</a:t>
             </a:fld>
             <a:endParaRPr lang="en-US" dirty="0"/>
           </a:p>
@@ -1269,7 +1269,7 @@
           <a:p>
             <a:fld id="{CF64A208-0694-964E-93B1-EAF2C4DF2BAD}" type="datetimeFigureOut">
               <a:rPr lang="en-US" smtClean="0"/>
-              <a:t>2/18/2019</a:t>
+              <a:t>2/21/2019</a:t>
             </a:fld>
             <a:endParaRPr lang="en-US"/>
           </a:p>
@@ -1524,7 +1524,7 @@
             <a:fld id="{CF64A208-0694-964E-93B1-EAF2C4DF2BAD}" type="datetimeFigureOut">
               <a:rPr lang="en-US" smtClean="0"/>
               <a:pPr/>
-              <a:t>2/18/2019</a:t>
+              <a:t>2/21/2019</a:t>
             </a:fld>
             <a:endParaRPr lang="en-US" dirty="0"/>
           </a:p>
@@ -1824,7 +1824,7 @@
           <a:p>
             <a:fld id="{CF64A208-0694-964E-93B1-EAF2C4DF2BAD}" type="datetimeFigureOut">
               <a:rPr lang="en-US" smtClean="0"/>
-              <a:t>2/18/2019</a:t>
+              <a:t>2/21/2019</a:t>
             </a:fld>
             <a:endParaRPr lang="en-US"/>
           </a:p>
@@ -2257,7 +2257,7 @@
             <a:fld id="{CF64A208-0694-964E-93B1-EAF2C4DF2BAD}" type="datetimeFigureOut">
               <a:rPr lang="en-US" smtClean="0"/>
               <a:pPr/>
-              <a:t>2/18/2019</a:t>
+              <a:t>2/21/2019</a:t>
             </a:fld>
             <a:endParaRPr lang="en-US" dirty="0"/>
           </a:p>
@@ -2400,7 +2400,7 @@
             <a:fld id="{CF64A208-0694-964E-93B1-EAF2C4DF2BAD}" type="datetimeFigureOut">
               <a:rPr lang="en-US" smtClean="0"/>
               <a:pPr/>
-              <a:t>2/18/2019</a:t>
+              <a:t>2/21/2019</a:t>
             </a:fld>
             <a:endParaRPr lang="en-US" dirty="0"/>
           </a:p>
@@ -2515,7 +2515,7 @@
             <a:fld id="{CF64A208-0694-964E-93B1-EAF2C4DF2BAD}" type="datetimeFigureOut">
               <a:rPr lang="en-US" smtClean="0"/>
               <a:pPr/>
-              <a:t>2/18/2019</a:t>
+              <a:t>2/21/2019</a:t>
             </a:fld>
             <a:endParaRPr lang="en-US" dirty="0"/>
           </a:p>
@@ -2824,7 +2824,7 @@
             <a:fld id="{CF64A208-0694-964E-93B1-EAF2C4DF2BAD}" type="datetimeFigureOut">
               <a:rPr lang="en-US" smtClean="0"/>
               <a:pPr/>
-              <a:t>2/18/2019</a:t>
+              <a:t>2/21/2019</a:t>
             </a:fld>
             <a:endParaRPr lang="en-US" dirty="0"/>
           </a:p>
@@ -3105,7 +3105,7 @@
             <a:fld id="{CF64A208-0694-964E-93B1-EAF2C4DF2BAD}" type="datetimeFigureOut">
               <a:rPr lang="en-US" smtClean="0"/>
               <a:pPr/>
-              <a:t>2/18/2019</a:t>
+              <a:t>2/21/2019</a:t>
             </a:fld>
             <a:endParaRPr lang="en-US" dirty="0"/>
           </a:p>
@@ -3329,7 +3329,7 @@
           <a:p>
             <a:fld id="{CF64A208-0694-964E-93B1-EAF2C4DF2BAD}" type="datetimeFigureOut">
               <a:rPr lang="en-US" smtClean="0"/>
-              <a:t>2/18/2019</a:t>
+              <a:t>2/21/2019</a:t>
             </a:fld>
             <a:endParaRPr lang="en-US"/>
           </a:p>
@@ -4444,40 +4444,6 @@
               <a:buNone/>
             </a:pPr>
             <a:endParaRPr lang="en-US" dirty="0"/>
-          </a:p>
-          <a:p>
-            <a:pPr marL="0" indent="0">
-              <a:buNone/>
-            </a:pPr>
-            <a:r>
-              <a:rPr lang="en-US" b="1" i="1" dirty="0" err="1"/>
-              <a:t>Phong</a:t>
-            </a:r>
-            <a:r>
-              <a:rPr lang="en-US" b="1" i="1" dirty="0"/>
-              <a:t> shading  </a:t>
-            </a:r>
-            <a:r>
-              <a:rPr lang="en-US" dirty="0"/>
-              <a:t>generates a color per-fragment</a:t>
-            </a:r>
-          </a:p>
-          <a:p>
-            <a:r>
-              <a:rPr lang="en-US" sz="2400" dirty="0"/>
-              <a:t>This happens in the fragment </a:t>
-            </a:r>
-            <a:r>
-              <a:rPr lang="en-US" sz="2400" dirty="0" err="1"/>
-              <a:t>shader</a:t>
-            </a:r>
-            <a:endParaRPr lang="en-US" sz="2400" dirty="0"/>
-          </a:p>
-          <a:p>
-            <a:r>
-              <a:rPr lang="en-US" sz="2400" dirty="0"/>
-              <a:t>You will need to implement this for MP 2</a:t>
-            </a:r>
           </a:p>
         </p:txBody>
       </p:sp>
